--- a/Gestión/SAP, Odoo y webERP.pptx
+++ b/Gestión/SAP, Odoo y webERP.pptx
@@ -9,11 +9,14 @@
     <p:sldId id="258" r:id="rId3"/>
     <p:sldId id="259" r:id="rId4"/>
     <p:sldId id="262" r:id="rId5"/>
-    <p:sldId id="263" r:id="rId6"/>
-    <p:sldId id="260" r:id="rId7"/>
-    <p:sldId id="261" r:id="rId8"/>
-    <p:sldId id="264" r:id="rId9"/>
-    <p:sldId id="266" r:id="rId10"/>
+    <p:sldId id="267" r:id="rId6"/>
+    <p:sldId id="263" r:id="rId7"/>
+    <p:sldId id="260" r:id="rId8"/>
+    <p:sldId id="261" r:id="rId9"/>
+    <p:sldId id="264" r:id="rId10"/>
+    <p:sldId id="266" r:id="rId11"/>
+    <p:sldId id="269" r:id="rId12"/>
+    <p:sldId id="268" r:id="rId13"/>
   </p:sldIdLst>
   <p:sldSz cx="9144000" cy="6858000" type="screen4x3"/>
   <p:notesSz cx="6858000" cy="9144000"/>
@@ -335,7 +338,7 @@
             <a:fld id="{ABDC6CF3-9851-4DA6-B475-A3385B82C582}" type="datetimeFigureOut">
               <a:rPr lang="es-ES" smtClean="0"/>
               <a:pPr/>
-              <a:t>24/09/2021</a:t>
+              <a:t>27/09/2021</a:t>
             </a:fld>
             <a:endParaRPr lang="es-ES"/>
           </a:p>
@@ -524,7 +527,7 @@
             <a:fld id="{ABDC6CF3-9851-4DA6-B475-A3385B82C582}" type="datetimeFigureOut">
               <a:rPr lang="es-ES" smtClean="0"/>
               <a:pPr/>
-              <a:t>24/09/2021</a:t>
+              <a:t>27/09/2021</a:t>
             </a:fld>
             <a:endParaRPr lang="es-ES"/>
           </a:p>
@@ -701,7 +704,7 @@
             <a:fld id="{ABDC6CF3-9851-4DA6-B475-A3385B82C582}" type="datetimeFigureOut">
               <a:rPr lang="es-ES" smtClean="0"/>
               <a:pPr/>
-              <a:t>24/09/2021</a:t>
+              <a:t>27/09/2021</a:t>
             </a:fld>
             <a:endParaRPr lang="es-ES"/>
           </a:p>
@@ -883,7 +886,7 @@
             <a:fld id="{ABDC6CF3-9851-4DA6-B475-A3385B82C582}" type="datetimeFigureOut">
               <a:rPr lang="es-ES" smtClean="0"/>
               <a:pPr/>
-              <a:t>24/09/2021</a:t>
+              <a:t>27/09/2021</a:t>
             </a:fld>
             <a:endParaRPr lang="es-ES"/>
           </a:p>
@@ -1132,7 +1135,7 @@
             <a:fld id="{ABDC6CF3-9851-4DA6-B475-A3385B82C582}" type="datetimeFigureOut">
               <a:rPr lang="es-ES" smtClean="0"/>
               <a:pPr/>
-              <a:t>24/09/2021</a:t>
+              <a:t>27/09/2021</a:t>
             </a:fld>
             <a:endParaRPr lang="es-ES"/>
           </a:p>
@@ -1608,7 +1611,7 @@
             <a:fld id="{ABDC6CF3-9851-4DA6-B475-A3385B82C582}" type="datetimeFigureOut">
               <a:rPr lang="es-ES" smtClean="0"/>
               <a:pPr/>
-              <a:t>24/09/2021</a:t>
+              <a:t>27/09/2021</a:t>
             </a:fld>
             <a:endParaRPr lang="es-ES"/>
           </a:p>
@@ -2025,7 +2028,7 @@
             <a:fld id="{ABDC6CF3-9851-4DA6-B475-A3385B82C582}" type="datetimeFigureOut">
               <a:rPr lang="es-ES" smtClean="0"/>
               <a:pPr/>
-              <a:t>24/09/2021</a:t>
+              <a:t>27/09/2021</a:t>
             </a:fld>
             <a:endParaRPr lang="es-ES"/>
           </a:p>
@@ -2158,7 +2161,7 @@
             <a:fld id="{ABDC6CF3-9851-4DA6-B475-A3385B82C582}" type="datetimeFigureOut">
               <a:rPr lang="es-ES" smtClean="0"/>
               <a:pPr/>
-              <a:t>24/09/2021</a:t>
+              <a:t>27/09/2021</a:t>
             </a:fld>
             <a:endParaRPr lang="es-ES"/>
           </a:p>
@@ -2255,7 +2258,7 @@
             <a:fld id="{ABDC6CF3-9851-4DA6-B475-A3385B82C582}" type="datetimeFigureOut">
               <a:rPr lang="es-ES" smtClean="0"/>
               <a:pPr/>
-              <a:t>24/09/2021</a:t>
+              <a:t>27/09/2021</a:t>
             </a:fld>
             <a:endParaRPr lang="es-ES"/>
           </a:p>
@@ -2535,7 +2538,7 @@
             <a:fld id="{ABDC6CF3-9851-4DA6-B475-A3385B82C582}" type="datetimeFigureOut">
               <a:rPr lang="es-ES" smtClean="0"/>
               <a:pPr/>
-              <a:t>24/09/2021</a:t>
+              <a:t>27/09/2021</a:t>
             </a:fld>
             <a:endParaRPr lang="es-ES"/>
           </a:p>
@@ -2789,7 +2792,7 @@
             <a:fld id="{ABDC6CF3-9851-4DA6-B475-A3385B82C582}" type="datetimeFigureOut">
               <a:rPr lang="es-ES" smtClean="0"/>
               <a:pPr/>
-              <a:t>24/09/2021</a:t>
+              <a:t>27/09/2021</a:t>
             </a:fld>
             <a:endParaRPr lang="es-ES"/>
           </a:p>
@@ -3163,7 +3166,7 @@
             <a:fld id="{ABDC6CF3-9851-4DA6-B475-A3385B82C582}" type="datetimeFigureOut">
               <a:rPr lang="es-ES" smtClean="0"/>
               <a:pPr/>
-              <a:t>24/09/2021</a:t>
+              <a:t>27/09/2021</a:t>
             </a:fld>
             <a:endParaRPr lang="es-ES"/>
           </a:p>
@@ -3637,6 +3640,231 @@
 </p:sld>
 </file>
 
+<file path=ppt/slides/slide10.xml><?xml version="1.0" encoding="utf-8"?>
+<p:sld xmlns:a="http://schemas.openxmlformats.org/drawingml/2006/main" xmlns:r="http://schemas.openxmlformats.org/officeDocument/2006/relationships" xmlns:p="http://schemas.openxmlformats.org/presentationml/2006/main">
+  <p:cSld>
+    <p:spTree>
+      <p:nvGrpSpPr>
+        <p:cNvPr id="1" name=""/>
+        <p:cNvGrpSpPr/>
+        <p:nvPr/>
+      </p:nvGrpSpPr>
+      <p:grpSpPr>
+        <a:xfrm>
+          <a:off x="0" y="0"/>
+          <a:ext cx="0" cy="0"/>
+          <a:chOff x="0" y="0"/>
+          <a:chExt cx="0" cy="0"/>
+        </a:xfrm>
+      </p:grpSpPr>
+      <p:sp>
+        <p:nvSpPr>
+          <p:cNvPr id="2" name="1 Título"/>
+          <p:cNvSpPr>
+            <a:spLocks noGrp="1"/>
+          </p:cNvSpPr>
+          <p:nvPr>
+            <p:ph type="title"/>
+          </p:nvPr>
+        </p:nvSpPr>
+        <p:spPr/>
+        <p:txBody>
+          <a:bodyPr>
+            <a:normAutofit/>
+          </a:bodyPr>
+          <a:lstStyle/>
+          <a:p>
+            <a:r>
+              <a:rPr lang="es-ES" dirty="0" err="1" smtClean="0"/>
+              <a:t>Odoo</a:t>
+            </a:r>
+            <a:r>
+              <a:rPr lang="es-ES" dirty="0" smtClean="0"/>
+              <a:t>: </a:t>
+            </a:r>
+            <a:r>
+              <a:rPr lang="es-ES" dirty="0" smtClean="0"/>
+              <a:t>desventajas</a:t>
+            </a:r>
+            <a:endParaRPr lang="es-ES" dirty="0"/>
+          </a:p>
+        </p:txBody>
+      </p:sp>
+      <p:sp>
+        <p:nvSpPr>
+          <p:cNvPr id="3" name="2 Marcador de contenido"/>
+          <p:cNvSpPr>
+            <a:spLocks noGrp="1"/>
+          </p:cNvSpPr>
+          <p:nvPr>
+            <p:ph idx="1"/>
+          </p:nvPr>
+        </p:nvSpPr>
+        <p:spPr/>
+        <p:txBody>
+          <a:bodyPr>
+            <a:normAutofit/>
+          </a:bodyPr>
+          <a:lstStyle/>
+          <a:p>
+            <a:r>
+              <a:rPr lang="es-ES" dirty="0" smtClean="0"/>
+              <a:t>Si necesitas muchas aplicaciones o extras terminas pagando </a:t>
+            </a:r>
+            <a:r>
+              <a:rPr lang="es-ES" dirty="0" smtClean="0"/>
+              <a:t>más.</a:t>
+            </a:r>
+            <a:endParaRPr lang="es-ES" dirty="0"/>
+          </a:p>
+        </p:txBody>
+      </p:sp>
+    </p:spTree>
+  </p:cSld>
+  <p:clrMapOvr>
+    <a:masterClrMapping/>
+  </p:clrMapOvr>
+</p:sld>
+</file>
+
+<file path=ppt/slides/slide11.xml><?xml version="1.0" encoding="utf-8"?>
+<p:sld xmlns:a="http://schemas.openxmlformats.org/drawingml/2006/main" xmlns:r="http://schemas.openxmlformats.org/officeDocument/2006/relationships" xmlns:p="http://schemas.openxmlformats.org/presentationml/2006/main">
+  <p:cSld>
+    <p:spTree>
+      <p:nvGrpSpPr>
+        <p:cNvPr id="1" name=""/>
+        <p:cNvGrpSpPr/>
+        <p:nvPr/>
+      </p:nvGrpSpPr>
+      <p:grpSpPr>
+        <a:xfrm>
+          <a:off x="0" y="0"/>
+          <a:ext cx="0" cy="0"/>
+          <a:chOff x="0" y="0"/>
+          <a:chExt cx="0" cy="0"/>
+        </a:xfrm>
+      </p:grpSpPr>
+      <p:sp>
+        <p:nvSpPr>
+          <p:cNvPr id="2" name="1 Título"/>
+          <p:cNvSpPr>
+            <a:spLocks noGrp="1"/>
+          </p:cNvSpPr>
+          <p:nvPr>
+            <p:ph type="title"/>
+          </p:nvPr>
+        </p:nvSpPr>
+        <p:spPr/>
+        <p:txBody>
+          <a:bodyPr>
+            <a:normAutofit/>
+          </a:bodyPr>
+          <a:lstStyle/>
+          <a:p>
+            <a:r>
+              <a:rPr lang="es-ES" dirty="0" smtClean="0"/>
+              <a:t>webERP: desventajas</a:t>
+            </a:r>
+            <a:endParaRPr lang="es-ES" dirty="0"/>
+          </a:p>
+        </p:txBody>
+      </p:sp>
+      <p:sp>
+        <p:nvSpPr>
+          <p:cNvPr id="3" name="2 Marcador de contenido"/>
+          <p:cNvSpPr>
+            <a:spLocks noGrp="1"/>
+          </p:cNvSpPr>
+          <p:nvPr>
+            <p:ph idx="1"/>
+          </p:nvPr>
+        </p:nvSpPr>
+        <p:spPr/>
+        <p:txBody>
+          <a:bodyPr>
+            <a:normAutofit/>
+          </a:bodyPr>
+          <a:lstStyle/>
+          <a:p>
+            <a:r>
+              <a:rPr lang="es-ES" dirty="0" smtClean="0"/>
+              <a:t>No te ofrecen asistencia ni ningún servicio como empresa. Simplemente te ofrecen gratuitamente el software y, eso sí, mucha documentación.</a:t>
+            </a:r>
+            <a:endParaRPr lang="es-ES" dirty="0"/>
+          </a:p>
+        </p:txBody>
+      </p:sp>
+    </p:spTree>
+  </p:cSld>
+  <p:clrMapOvr>
+    <a:masterClrMapping/>
+  </p:clrMapOvr>
+</p:sld>
+</file>
+
+<file path=ppt/slides/slide12.xml><?xml version="1.0" encoding="utf-8"?>
+<p:sld xmlns:a="http://schemas.openxmlformats.org/drawingml/2006/main" xmlns:r="http://schemas.openxmlformats.org/officeDocument/2006/relationships" xmlns:p="http://schemas.openxmlformats.org/presentationml/2006/main">
+  <p:cSld>
+    <p:spTree>
+      <p:nvGrpSpPr>
+        <p:cNvPr id="1" name=""/>
+        <p:cNvGrpSpPr/>
+        <p:nvPr/>
+      </p:nvGrpSpPr>
+      <p:grpSpPr>
+        <a:xfrm>
+          <a:off x="0" y="0"/>
+          <a:ext cx="0" cy="0"/>
+          <a:chOff x="0" y="0"/>
+          <a:chExt cx="0" cy="0"/>
+        </a:xfrm>
+      </p:grpSpPr>
+      <p:sp>
+        <p:nvSpPr>
+          <p:cNvPr id="2" name="1 Título"/>
+          <p:cNvSpPr>
+            <a:spLocks noGrp="1"/>
+          </p:cNvSpPr>
+          <p:nvPr>
+            <p:ph type="title"/>
+          </p:nvPr>
+        </p:nvSpPr>
+        <p:spPr>
+          <a:xfrm>
+            <a:off x="0" y="260648"/>
+            <a:ext cx="8820472" cy="6408712"/>
+          </a:xfrm>
+        </p:spPr>
+        <p:txBody>
+          <a:bodyPr>
+            <a:normAutofit/>
+          </a:bodyPr>
+          <a:lstStyle/>
+          <a:p>
+            <a:pPr algn="ctr"/>
+            <a:r>
+              <a:rPr lang="es-ES" sz="4800" dirty="0" smtClean="0"/>
+              <a:t>Si hay alguna pregunta, </a:t>
+            </a:r>
+            <a:br>
+              <a:rPr lang="es-ES" sz="4800" dirty="0" smtClean="0"/>
+            </a:br>
+            <a:r>
+              <a:rPr lang="es-ES" sz="4800" dirty="0" smtClean="0"/>
+              <a:t>ahora es el momento.</a:t>
+            </a:r>
+            <a:endParaRPr lang="es-ES" sz="4800" dirty="0"/>
+          </a:p>
+        </p:txBody>
+      </p:sp>
+    </p:spTree>
+  </p:cSld>
+  <p:clrMapOvr>
+    <a:masterClrMapping/>
+  </p:clrMapOvr>
+</p:sld>
+</file>
+
 <file path=ppt/slides/slide2.xml><?xml version="1.0" encoding="utf-8"?>
 <p:sld xmlns:a="http://schemas.openxmlformats.org/drawingml/2006/main" xmlns:r="http://schemas.openxmlformats.org/officeDocument/2006/relationships" xmlns:p="http://schemas.openxmlformats.org/presentationml/2006/main">
   <p:cSld>
@@ -3766,7 +3994,12 @@
             <p:ph type="title"/>
           </p:nvPr>
         </p:nvSpPr>
-        <p:spPr/>
+        <p:spPr>
+          <a:xfrm>
+            <a:off x="457200" y="267494"/>
+            <a:ext cx="8229600" cy="1217290"/>
+          </a:xfrm>
+        </p:spPr>
         <p:txBody>
           <a:bodyPr/>
           <a:lstStyle/>
@@ -3789,10 +4022,15 @@
             <p:ph idx="1"/>
           </p:nvPr>
         </p:nvSpPr>
-        <p:spPr/>
+        <p:spPr>
+          <a:xfrm>
+            <a:off x="457200" y="1412776"/>
+            <a:ext cx="8229600" cy="5445224"/>
+          </a:xfrm>
+        </p:spPr>
         <p:txBody>
           <a:bodyPr>
-            <a:normAutofit/>
+            <a:normAutofit fontScale="92500" lnSpcReduction="20000"/>
           </a:bodyPr>
           <a:lstStyle/>
           <a:p>
@@ -3821,21 +4059,13 @@
           <a:p>
             <a:r>
               <a:rPr lang="es-ES" dirty="0" smtClean="0"/>
-              <a:t>GUI nativa: solo de  </a:t>
-            </a:r>
-            <a:r>
-              <a:rPr lang="es-ES" dirty="0" smtClean="0"/>
-              <a:t>Windows.</a:t>
-            </a:r>
-          </a:p>
-          <a:p>
-            <a:r>
-              <a:rPr lang="es-ES" dirty="0" smtClean="0"/>
-              <a:t>GUI </a:t>
-            </a:r>
-            <a:r>
-              <a:rPr lang="es-ES" dirty="0" smtClean="0"/>
-              <a:t>con versión en Java:</a:t>
+              <a:t>GUI nativa: solo de  Windows.</a:t>
+            </a:r>
+          </a:p>
+          <a:p>
+            <a:r>
+              <a:rPr lang="es-ES" dirty="0" smtClean="0"/>
+              <a:t>GUI con versión en Java:</a:t>
             </a:r>
           </a:p>
           <a:p>
@@ -3870,8 +4100,25 @@
             </a:r>
             <a:r>
               <a:rPr lang="es-ES" dirty="0" smtClean="0"/>
-              <a:t>, Ubuntu</a:t>
-            </a:r>
+              <a:t>, </a:t>
+            </a:r>
+            <a:r>
+              <a:rPr lang="es-ES" dirty="0" smtClean="0"/>
+              <a:t>Ubuntu</a:t>
+            </a:r>
+          </a:p>
+          <a:p>
+            <a:r>
+              <a:rPr lang="es-ES" dirty="0" smtClean="0"/>
+              <a:t>Empresas de: servicios públicos, energías y recursos naturales, industrias de consumo, industrias discretas, de servicios y de servicios financieros</a:t>
+            </a:r>
+          </a:p>
+          <a:p>
+            <a:r>
+              <a:rPr lang="es-ES" dirty="0" smtClean="0"/>
+              <a:t>400 € / mes / módulo</a:t>
+            </a:r>
+            <a:endParaRPr lang="es-ES" dirty="0" smtClean="0"/>
           </a:p>
           <a:p>
             <a:endParaRPr lang="es-ES" dirty="0" smtClean="0"/>
@@ -4014,7 +4261,30 @@
               <a:rPr lang="es-ES" dirty="0" smtClean="0">
                 <a:sym typeface="Wingdings" pitchFamily="2" charset="2"/>
               </a:rPr>
-              <a:t> multiplataforma</a:t>
+              <a:t> </a:t>
+            </a:r>
+            <a:r>
+              <a:rPr lang="es-ES" dirty="0" smtClean="0">
+                <a:sym typeface="Wingdings" pitchFamily="2" charset="2"/>
+              </a:rPr>
+              <a:t>multiplataforma</a:t>
+            </a:r>
+          </a:p>
+          <a:p>
+            <a:r>
+              <a:rPr lang="es-ES" dirty="0" smtClean="0">
+                <a:sym typeface="Wingdings" pitchFamily="2" charset="2"/>
+              </a:rPr>
+              <a:t>Gratis o 6 – 48 € / mes / módulo + 10 € / usuario / mes</a:t>
+            </a:r>
+          </a:p>
+          <a:p>
+            <a:pPr lvl="1"/>
+            <a:r>
+              <a:rPr lang="es-ES" dirty="0" smtClean="0">
+                <a:sym typeface="Wingdings" pitchFamily="2" charset="2"/>
+              </a:rPr>
+              <a:t>Como máximo ~ 900 € / mes</a:t>
             </a:r>
             <a:endParaRPr lang="es-ES" dirty="0" smtClean="0"/>
           </a:p>
@@ -4048,9 +4318,42 @@
           <a:chExt cx="0" cy="0"/>
         </a:xfrm>
       </p:grpSpPr>
-      <p:sp>
-        <p:nvSpPr>
-          <p:cNvPr id="2" name="1 Título"/>
+      <p:pic>
+        <p:nvPicPr>
+          <p:cNvPr id="1026" name="Picture 2"/>
+          <p:cNvPicPr>
+            <a:picLocks noChangeAspect="1" noChangeArrowheads="1"/>
+          </p:cNvPicPr>
+          <p:nvPr/>
+        </p:nvPicPr>
+        <p:blipFill>
+          <a:blip r:embed="rId2" cstate="print"/>
+          <a:srcRect/>
+          <a:stretch>
+            <a:fillRect/>
+          </a:stretch>
+        </p:blipFill>
+        <p:spPr bwMode="auto">
+          <a:xfrm>
+            <a:off x="3779912" y="764704"/>
+            <a:ext cx="3648405" cy="5472608"/>
+          </a:xfrm>
+          <a:prstGeom prst="rect">
+            <a:avLst/>
+          </a:prstGeom>
+          <a:noFill/>
+          <a:ln w="9525">
+            <a:noFill/>
+            <a:miter lim="800000"/>
+            <a:headEnd/>
+            <a:tailEnd/>
+          </a:ln>
+          <a:effectLst/>
+        </p:spPr>
+      </p:pic>
+      <p:sp>
+        <p:nvSpPr>
+          <p:cNvPr id="5" name="1 Título"/>
           <p:cNvSpPr>
             <a:spLocks noGrp="1"/>
           </p:cNvSpPr>
@@ -4058,84 +4361,20 @@
             <p:ph type="title"/>
           </p:nvPr>
         </p:nvSpPr>
-        <p:spPr/>
+        <p:spPr>
+          <a:xfrm>
+            <a:off x="457200" y="267494"/>
+            <a:ext cx="8229600" cy="1399032"/>
+          </a:xfrm>
+        </p:spPr>
         <p:txBody>
           <a:bodyPr/>
           <a:lstStyle/>
           <a:p>
             <a:r>
               <a:rPr lang="es-ES" dirty="0" err="1" smtClean="0"/>
-              <a:t>webERP</a:t>
-            </a:r>
-            <a:endParaRPr lang="es-ES" dirty="0"/>
-          </a:p>
-        </p:txBody>
-      </p:sp>
-      <p:sp>
-        <p:nvSpPr>
-          <p:cNvPr id="3" name="2 Marcador de contenido"/>
-          <p:cNvSpPr>
-            <a:spLocks noGrp="1"/>
-          </p:cNvSpPr>
-          <p:nvPr>
-            <p:ph idx="1"/>
-          </p:nvPr>
-        </p:nvSpPr>
-        <p:spPr/>
-        <p:txBody>
-          <a:bodyPr>
-            <a:normAutofit/>
-          </a:bodyPr>
-          <a:lstStyle/>
-          <a:p>
-            <a:r>
-              <a:rPr lang="es-ES" dirty="0" smtClean="0"/>
-              <a:t> GNU General </a:t>
-            </a:r>
-            <a:r>
-              <a:rPr lang="es-ES" dirty="0" err="1" smtClean="0"/>
-              <a:t>Public</a:t>
-            </a:r>
-            <a:r>
-              <a:rPr lang="es-ES" dirty="0" smtClean="0"/>
-              <a:t> </a:t>
-            </a:r>
-            <a:r>
-              <a:rPr lang="es-ES" dirty="0" err="1" smtClean="0"/>
-              <a:t>License</a:t>
-            </a:r>
-            <a:endParaRPr lang="es-ES" dirty="0" smtClean="0"/>
-          </a:p>
-          <a:p>
-            <a:pPr lvl="1"/>
-            <a:r>
-              <a:rPr lang="es-ES" dirty="0" smtClean="0"/>
-              <a:t>O sea, también software libre</a:t>
-            </a:r>
-          </a:p>
-          <a:p>
-            <a:r>
-              <a:rPr lang="es-ES" dirty="0" smtClean="0"/>
-              <a:t>PHP</a:t>
-            </a:r>
-            <a:endParaRPr lang="es-ES" dirty="0" smtClean="0"/>
-          </a:p>
-          <a:p>
-            <a:r>
-              <a:rPr lang="es-ES" dirty="0" smtClean="0">
-                <a:sym typeface="Wingdings" pitchFamily="2" charset="2"/>
-              </a:rPr>
-              <a:t>M</a:t>
-            </a:r>
-            <a:r>
-              <a:rPr lang="es-ES" dirty="0" smtClean="0">
-                <a:sym typeface="Wingdings" pitchFamily="2" charset="2"/>
-              </a:rPr>
-              <a:t>ultiplataforma ya que es web</a:t>
-            </a:r>
-            <a:endParaRPr lang="es-ES" dirty="0" smtClean="0"/>
-          </a:p>
-          <a:p>
+              <a:t>Odoo</a:t>
+            </a:r>
             <a:endParaRPr lang="es-ES" dirty="0"/>
           </a:p>
         </p:txBody>
@@ -4182,7 +4421,7 @@
           <a:p>
             <a:r>
               <a:rPr lang="es-ES" dirty="0" smtClean="0"/>
-              <a:t>Sap: ventajas</a:t>
+              <a:t>webERP</a:t>
             </a:r>
             <a:endParaRPr lang="es-ES" dirty="0"/>
           </a:p>
@@ -4207,32 +4446,57 @@
           <a:p>
             <a:r>
               <a:rPr lang="es-ES" dirty="0" smtClean="0"/>
-              <a:t>Experiencia y el conocimiento para construir e implementar un sistema de la mejor forma posible</a:t>
-            </a:r>
-          </a:p>
-          <a:p>
-            <a:r>
-              <a:rPr lang="es-ES" dirty="0" smtClean="0"/>
-              <a:t>Fácil integración</a:t>
-            </a:r>
-          </a:p>
-          <a:p>
-            <a:r>
-              <a:rPr lang="es-ES" dirty="0" smtClean="0"/>
-              <a:t>Información a tiempo real</a:t>
-            </a:r>
-          </a:p>
-          <a:p>
-            <a:r>
-              <a:rPr lang="es-ES" dirty="0" smtClean="0"/>
-              <a:t>Crea un entorno de trabajo más eficiente</a:t>
-            </a:r>
-          </a:p>
-          <a:p>
-            <a:r>
-              <a:rPr lang="es-ES" dirty="0" smtClean="0"/>
-              <a:t>Interfaz de usuario adaptable</a:t>
-            </a:r>
+              <a:t> GNU General </a:t>
+            </a:r>
+            <a:r>
+              <a:rPr lang="es-ES" dirty="0" err="1" smtClean="0"/>
+              <a:t>Public</a:t>
+            </a:r>
+            <a:r>
+              <a:rPr lang="es-ES" dirty="0" smtClean="0"/>
+              <a:t> </a:t>
+            </a:r>
+            <a:r>
+              <a:rPr lang="es-ES" dirty="0" err="1" smtClean="0"/>
+              <a:t>License</a:t>
+            </a:r>
+            <a:endParaRPr lang="es-ES" dirty="0" smtClean="0"/>
+          </a:p>
+          <a:p>
+            <a:pPr lvl="1"/>
+            <a:r>
+              <a:rPr lang="es-ES" dirty="0" smtClean="0"/>
+              <a:t>O sea, también software libre</a:t>
+            </a:r>
+          </a:p>
+          <a:p>
+            <a:r>
+              <a:rPr lang="es-ES" dirty="0" smtClean="0"/>
+              <a:t>PHP</a:t>
+            </a:r>
+          </a:p>
+          <a:p>
+            <a:r>
+              <a:rPr lang="es-ES" dirty="0" smtClean="0">
+                <a:sym typeface="Wingdings" pitchFamily="2" charset="2"/>
+              </a:rPr>
+              <a:t>Multiplataforma ya que es </a:t>
+            </a:r>
+            <a:r>
+              <a:rPr lang="es-ES" dirty="0" smtClean="0">
+                <a:sym typeface="Wingdings" pitchFamily="2" charset="2"/>
+              </a:rPr>
+              <a:t>web</a:t>
+            </a:r>
+          </a:p>
+          <a:p>
+            <a:r>
+              <a:rPr lang="es-ES" dirty="0" smtClean="0">
+                <a:sym typeface="Wingdings" pitchFamily="2" charset="2"/>
+              </a:rPr>
+              <a:t>Completamente gratuito</a:t>
+            </a:r>
+            <a:endParaRPr lang="es-ES" dirty="0" smtClean="0"/>
           </a:p>
           <a:p>
             <a:endParaRPr lang="es-ES" dirty="0"/>
@@ -4281,7 +4545,7 @@
           <a:p>
             <a:r>
               <a:rPr lang="es-ES" dirty="0" smtClean="0"/>
-              <a:t>Sap: desventajas</a:t>
+              <a:t>Sap: ventajas</a:t>
             </a:r>
             <a:endParaRPr lang="es-ES" dirty="0"/>
           </a:p>
@@ -4306,29 +4570,31 @@
           <a:p>
             <a:r>
               <a:rPr lang="es-ES" dirty="0" smtClean="0"/>
-              <a:t>Contrato inquebrantable hasta la expiración, pudiendo no ser rentable el cambio si los costes son muy altos</a:t>
-            </a:r>
-          </a:p>
-          <a:p>
-            <a:r>
-              <a:rPr lang="es-ES" dirty="0" smtClean="0"/>
-              <a:t>Los paquetes pueden no encajar en el modelo de negocio de la empresa dada su rigidez </a:t>
-            </a:r>
-            <a:r>
-              <a:rPr lang="es-ES" dirty="0" smtClean="0">
-                <a:sym typeface="Wingdings" pitchFamily="2" charset="2"/>
-              </a:rPr>
-              <a:t></a:t>
-            </a:r>
-            <a:r>
-              <a:rPr lang="es-ES" dirty="0" smtClean="0"/>
-              <a:t> la adaptación puede ser costosa</a:t>
-            </a:r>
-          </a:p>
-          <a:p>
-            <a:r>
-              <a:rPr lang="es-ES" dirty="0" smtClean="0"/>
-              <a:t>Puede pasar mucho tiempo hasta ser rentable</a:t>
+              <a:t>Experiencia y el conocimiento para construir e implementar un sistema de la mejor forma posible</a:t>
+            </a:r>
+          </a:p>
+          <a:p>
+            <a:r>
+              <a:rPr lang="es-ES" dirty="0" smtClean="0"/>
+              <a:t>Fácil integración</a:t>
+            </a:r>
+          </a:p>
+          <a:p>
+            <a:r>
+              <a:rPr lang="es-ES" dirty="0" smtClean="0"/>
+              <a:t>Información a tiempo real</a:t>
+            </a:r>
+          </a:p>
+          <a:p>
+            <a:r>
+              <a:rPr lang="es-ES" dirty="0" smtClean="0"/>
+              <a:t>Crea un entorno de trabajo más eficiente</a:t>
+            </a:r>
+          </a:p>
+          <a:p>
+            <a:r>
+              <a:rPr lang="es-ES" dirty="0" smtClean="0"/>
+              <a:t>Interfaz de usuario adaptable</a:t>
             </a:r>
           </a:p>
           <a:p>
@@ -4377,28 +4643,8 @@
           <a:lstStyle/>
           <a:p>
             <a:r>
-              <a:rPr lang="es-ES" dirty="0" err="1" smtClean="0"/>
-              <a:t>Odoo</a:t>
-            </a:r>
-            <a:r>
-              <a:rPr lang="es-ES" dirty="0" smtClean="0"/>
-              <a:t> </a:t>
-            </a:r>
-            <a:r>
-              <a:rPr lang="es-ES" dirty="0" smtClean="0"/>
-              <a:t>y </a:t>
-            </a:r>
-            <a:r>
-              <a:rPr lang="es-ES" dirty="0" err="1" smtClean="0"/>
-              <a:t>webERP</a:t>
-            </a:r>
-            <a:r>
-              <a:rPr lang="es-ES" dirty="0" smtClean="0"/>
-              <a:t>: </a:t>
-            </a:r>
-            <a:r>
-              <a:rPr lang="es-ES" dirty="0" smtClean="0"/>
-              <a:t>ventajas</a:t>
+              <a:rPr lang="es-ES" dirty="0" smtClean="0"/>
+              <a:t>Sap: desventajas</a:t>
             </a:r>
             <a:endParaRPr lang="es-ES" dirty="0"/>
           </a:p>
@@ -4423,33 +4669,29 @@
           <a:p>
             <a:r>
               <a:rPr lang="es-ES" dirty="0" smtClean="0"/>
-              <a:t>Es posible crear nuevas distribuciones del software y desarrollar módulos o modificar los existentes</a:t>
-            </a:r>
-            <a:endParaRPr lang="es-ES" dirty="0" smtClean="0"/>
-          </a:p>
-          <a:p>
-            <a:r>
-              <a:rPr lang="es-ES" dirty="0" smtClean="0"/>
-              <a:t>No se depende de una empresa específica para el mantenimiento</a:t>
-            </a:r>
-            <a:endParaRPr lang="es-ES" dirty="0" smtClean="0"/>
-          </a:p>
-          <a:p>
-            <a:r>
-              <a:rPr lang="es-ES" dirty="0" smtClean="0"/>
-              <a:t>Información a tiempo real</a:t>
-            </a:r>
-          </a:p>
-          <a:p>
-            <a:r>
-              <a:rPr lang="es-ES" dirty="0" smtClean="0"/>
-              <a:t>Crea un entorno de trabajo más eficiente</a:t>
-            </a:r>
-          </a:p>
-          <a:p>
-            <a:r>
-              <a:rPr lang="es-ES" dirty="0" smtClean="0"/>
-              <a:t>Interfaz de usuario adaptable</a:t>
+              <a:t>Contrato inquebrantable hasta la expiración, pudiendo no ser rentable el cambio si los costes son muy altos</a:t>
+            </a:r>
+          </a:p>
+          <a:p>
+            <a:r>
+              <a:rPr lang="es-ES" dirty="0" smtClean="0"/>
+              <a:t>Los paquetes pueden no encajar en el modelo de negocio de la empresa dada su rigidez </a:t>
+            </a:r>
+            <a:r>
+              <a:rPr lang="es-ES" dirty="0" smtClean="0">
+                <a:sym typeface="Wingdings" pitchFamily="2" charset="2"/>
+              </a:rPr>
+              <a:t></a:t>
+            </a:r>
+            <a:r>
+              <a:rPr lang="es-ES" dirty="0" smtClean="0"/>
+              <a:t> la adaptación puede ser costosa</a:t>
+            </a:r>
+          </a:p>
+          <a:p>
+            <a:r>
+              <a:rPr lang="es-ES" dirty="0" smtClean="0"/>
+              <a:t>Puede pasar mucho tiempo hasta ser rentable</a:t>
             </a:r>
           </a:p>
           <a:p>
@@ -4503,11 +4745,7 @@
             </a:r>
             <a:r>
               <a:rPr lang="es-ES" dirty="0" smtClean="0"/>
-              <a:t>: </a:t>
-            </a:r>
-            <a:r>
-              <a:rPr lang="es-ES" dirty="0" smtClean="0"/>
-              <a:t>desventajas</a:t>
+              <a:t> y webERP: ventajas</a:t>
             </a:r>
             <a:endParaRPr lang="es-ES" dirty="0"/>
           </a:p>
@@ -4532,28 +4770,34 @@
           <a:p>
             <a:r>
               <a:rPr lang="es-ES" dirty="0" smtClean="0"/>
-              <a:t>Si necesitas </a:t>
-            </a:r>
-            <a:r>
-              <a:rPr lang="es-ES" dirty="0" smtClean="0"/>
-              <a:t>muchas aplicaciones o </a:t>
-            </a:r>
-            <a:r>
-              <a:rPr lang="es-ES" smtClean="0"/>
-              <a:t>extras </a:t>
-            </a:r>
-            <a:r>
-              <a:rPr lang="es-ES" smtClean="0"/>
-              <a:t>terminas pagando </a:t>
-            </a:r>
-            <a:r>
-              <a:rPr lang="es-ES" dirty="0" smtClean="0"/>
-              <a:t>más</a:t>
-            </a:r>
-            <a:r>
-              <a:rPr lang="es-ES" dirty="0" smtClean="0"/>
-              <a:t>.</a:t>
-            </a:r>
+              <a:t>Es posible crear nuevas distribuciones del software y desarrollar módulos o modificar los existentes</a:t>
+            </a:r>
+          </a:p>
+          <a:p>
+            <a:r>
+              <a:rPr lang="es-ES" dirty="0" smtClean="0"/>
+              <a:t>No se depende de una empresa específica para el mantenimiento</a:t>
+            </a:r>
+          </a:p>
+          <a:p>
+            <a:r>
+              <a:rPr lang="es-ES" dirty="0" smtClean="0"/>
+              <a:t>Información a tiempo real</a:t>
+            </a:r>
+          </a:p>
+          <a:p>
+            <a:r>
+              <a:rPr lang="es-ES" dirty="0" smtClean="0"/>
+              <a:t>Crea un entorno de trabajo más eficiente</a:t>
+            </a:r>
+          </a:p>
+          <a:p>
+            <a:r>
+              <a:rPr lang="es-ES" dirty="0" smtClean="0"/>
+              <a:t>Interfaz de usuario adaptable</a:t>
+            </a:r>
+          </a:p>
+          <a:p>
             <a:endParaRPr lang="es-ES" dirty="0"/>
           </a:p>
         </p:txBody>
